--- a/Presentation.pptx
+++ b/Presentation.pptx
@@ -3473,7 +3473,7 @@
         <p:spPr/>
         <p:txBody>
           <a:bodyPr numCol="2">
-            <a:normAutofit lnSpcReduction="10000"/>
+            <a:normAutofit fontScale="92500" lnSpcReduction="20000"/>
           </a:bodyPr>
           <a:lstStyle/>
           <a:p>
@@ -3491,7 +3491,7 @@
           <a:p>
             <a:r>
               <a:rPr lang="en-US" dirty="0"/>
-              <a:t># of bathrooms/bedrooms</a:t>
+              <a:t># of Bathrooms/House</a:t>
             </a:r>
           </a:p>
           <a:p>
@@ -3503,7 +3503,19 @@
           <a:p>
             <a:r>
               <a:rPr lang="en-US" dirty="0"/>
-              <a:t>Lot Size Floors Waterfront</a:t>
+              <a:t>Lot Size </a:t>
+            </a:r>
+          </a:p>
+          <a:p>
+            <a:r>
+              <a:rPr lang="en-US" dirty="0"/>
+              <a:t>Floors </a:t>
+            </a:r>
+          </a:p>
+          <a:p>
+            <a:r>
+              <a:rPr lang="en-US" dirty="0"/>
+              <a:t>Waterfront</a:t>
             </a:r>
           </a:p>
           <a:p>
@@ -3652,6 +3664,18 @@
           <a:p>
             <a:r>
               <a:rPr lang="en-US" dirty="0"/>
+              <a:t>How is accuracy defined?  81% of Home Sales will be “GOOD” Investments</a:t>
+            </a:r>
+          </a:p>
+          <a:p>
+            <a:pPr marL="0" indent="0">
+              <a:buNone/>
+            </a:pPr>
+            <a:endParaRPr lang="en-US" dirty="0"/>
+          </a:p>
+          <a:p>
+            <a:r>
+              <a:rPr lang="en-US" dirty="0"/>
               <a:t>60% of the variation is explained by the model. </a:t>
             </a:r>
           </a:p>
@@ -3687,16 +3711,7 @@
             </a:r>
             <a:r>
               <a:rPr lang="en-US" dirty="0"/>
-              <a:t> ft and Grade &gt; 11</a:t>
-            </a:r>
-          </a:p>
-          <a:p>
-            <a:endParaRPr lang="en-US" dirty="0"/>
-          </a:p>
-          <a:p>
-            <a:r>
-              <a:rPr lang="en-US" dirty="0"/>
-              <a:t>How is accuracy defined?  81% of Home Sales will be “GOOD” Investments</a:t>
+              <a:t> ft, nor Grade &gt; 11</a:t>
             </a:r>
           </a:p>
         </p:txBody>
@@ -4227,7 +4242,7 @@
         <p:spPr/>
         <p:txBody>
           <a:bodyPr>
-            <a:normAutofit fontScale="77500" lnSpcReduction="20000"/>
+            <a:normAutofit fontScale="92500" lnSpcReduction="10000"/>
           </a:bodyPr>
           <a:lstStyle/>
           <a:p>
@@ -4242,15 +4257,7 @@
           <a:p>
             <a:r>
               <a:rPr lang="en-US" dirty="0"/>
-              <a:t>Assumed that </a:t>
-            </a:r>
-            <a:r>
-              <a:rPr lang="en-US" dirty="0" err="1"/>
-              <a:t>Sqft</a:t>
-            </a:r>
-            <a:r>
-              <a:rPr lang="en-US" dirty="0"/>
-              <a:t> Living, Grade, View, &amp; Year Built are kept constant (relatively)</a:t>
+              <a:t>Assumed other predictors are kept constant (relatively)</a:t>
             </a:r>
           </a:p>
           <a:p>
@@ -4262,16 +4269,7 @@
           <a:p>
             <a:r>
               <a:rPr lang="en-US" dirty="0"/>
-              <a:t>78% of the variation is explained by the model. (v. 60%)</a:t>
-            </a:r>
-          </a:p>
-          <a:p>
-            <a:endParaRPr lang="en-US" dirty="0"/>
-          </a:p>
-          <a:p>
-            <a:r>
-              <a:rPr lang="en-US" dirty="0"/>
-              <a:t>Predictor:  Square Foot Living Space is only predictor needed</a:t>
+              <a:t>Sale Price predicted by Square Foot Living Space only</a:t>
             </a:r>
           </a:p>
           <a:p>
@@ -4292,7 +4290,7 @@
           <a:p>
             <a:r>
               <a:rPr lang="en-US" dirty="0"/>
-              <a:t>How is accuracy defined?  76% of Home Sales will be “GOOD” Investments (v. 81%)</a:t>
+              <a:t>76% of Home Sales will be “GOOD” Investments </a:t>
             </a:r>
           </a:p>
         </p:txBody>
@@ -4345,7 +4343,9 @@
         </p:nvSpPr>
         <p:spPr/>
         <p:txBody>
-          <a:bodyPr/>
+          <a:bodyPr>
+            <a:normAutofit/>
+          </a:bodyPr>
           <a:lstStyle/>
           <a:p>
             <a:r>
@@ -4358,7 +4358,7 @@
             </a:r>
             <a:r>
               <a:rPr lang="en-US" dirty="0"/>
-              <a:t> in the model.  Why? </a:t>
+              <a:t> in the model………..Here’s why? </a:t>
             </a:r>
           </a:p>
         </p:txBody>

--- a/Presentation.pptx
+++ b/Presentation.pptx
@@ -4130,10 +4130,10 @@
       </p:sp>
       <p:pic>
         <p:nvPicPr>
-          <p:cNvPr id="7" name="Content Placeholder 6">
-            <a:extLst>
-              <a:ext uri="{FF2B5EF4-FFF2-40B4-BE49-F238E27FC236}">
-                <a16:creationId xmlns:a16="http://schemas.microsoft.com/office/drawing/2014/main" id="{A5BC7ED3-C210-E440-994C-C8EB6E3D8294}"/>
+          <p:cNvPr id="11" name="Content Placeholder 10">
+            <a:extLst>
+              <a:ext uri="{FF2B5EF4-FFF2-40B4-BE49-F238E27FC236}">
+                <a16:creationId xmlns:a16="http://schemas.microsoft.com/office/drawing/2014/main" id="{6B6D3A28-7091-4D4E-A071-E9C8F38BFDBB}"/>
               </a:ext>
             </a:extLst>
           </p:cNvPr>
@@ -4152,8 +4152,8 @@
         </p:blipFill>
         <p:spPr>
           <a:xfrm>
-            <a:off x="3122139" y="2416268"/>
-            <a:ext cx="5092700" cy="3098800"/>
+            <a:off x="3577461" y="1825625"/>
+            <a:ext cx="5037078" cy="4351338"/>
           </a:xfrm>
         </p:spPr>
       </p:pic>
@@ -4365,10 +4365,10 @@
       </p:sp>
       <p:pic>
         <p:nvPicPr>
-          <p:cNvPr id="5" name="Content Placeholder 4">
-            <a:extLst>
-              <a:ext uri="{FF2B5EF4-FFF2-40B4-BE49-F238E27FC236}">
-                <a16:creationId xmlns:a16="http://schemas.microsoft.com/office/drawing/2014/main" id="{E5AF8634-15D7-4142-BCFE-EF6C66193288}"/>
+          <p:cNvPr id="9" name="Content Placeholder 8">
+            <a:extLst>
+              <a:ext uri="{FF2B5EF4-FFF2-40B4-BE49-F238E27FC236}">
+                <a16:creationId xmlns:a16="http://schemas.microsoft.com/office/drawing/2014/main" id="{C23408A0-7B84-BF4A-AA83-94427560DA52}"/>
               </a:ext>
             </a:extLst>
           </p:cNvPr>
@@ -4387,9 +4387,39 @@
         </p:blipFill>
         <p:spPr>
           <a:xfrm>
-            <a:off x="2684401" y="2522322"/>
-            <a:ext cx="5041900" cy="3124200"/>
+            <a:off x="706747" y="2350294"/>
+            <a:ext cx="5054600" cy="3302000"/>
           </a:xfrm>
+        </p:spPr>
+      </p:pic>
+      <p:pic>
+        <p:nvPicPr>
+          <p:cNvPr id="11" name="Picture 10">
+            <a:extLst>
+              <a:ext uri="{FF2B5EF4-FFF2-40B4-BE49-F238E27FC236}">
+                <a16:creationId xmlns:a16="http://schemas.microsoft.com/office/drawing/2014/main" id="{3EDC9AAD-5187-914A-83F1-C1E0D4B4F78C}"/>
+              </a:ext>
+            </a:extLst>
+          </p:cNvPr>
+          <p:cNvPicPr>
+            <a:picLocks noChangeAspect="1"/>
+          </p:cNvPicPr>
+          <p:nvPr/>
+        </p:nvPicPr>
+        <p:blipFill>
+          <a:blip r:embed="rId3"/>
+          <a:stretch>
+            <a:fillRect/>
+          </a:stretch>
+        </p:blipFill>
+        <p:spPr>
+          <a:xfrm>
+            <a:off x="6740236" y="2350294"/>
+            <a:ext cx="5029200" cy="3314700"/>
+          </a:xfrm>
+          <a:prstGeom prst="rect">
+            <a:avLst/>
+          </a:prstGeom>
         </p:spPr>
       </p:pic>
     </p:spTree>

--- a/Presentation.pptx
+++ b/Presentation.pptx
@@ -10,10 +10,10 @@
     <p:sldId id="258" r:id="rId4"/>
     <p:sldId id="259" r:id="rId5"/>
     <p:sldId id="267" r:id="rId6"/>
-    <p:sldId id="261" r:id="rId7"/>
-    <p:sldId id="264" r:id="rId8"/>
-    <p:sldId id="265" r:id="rId9"/>
-    <p:sldId id="268" r:id="rId10"/>
+    <p:sldId id="264" r:id="rId7"/>
+    <p:sldId id="265" r:id="rId8"/>
+    <p:sldId id="268" r:id="rId9"/>
+    <p:sldId id="261" r:id="rId10"/>
   </p:sldIdLst>
   <p:sldSz cx="12192000" cy="6858000"/>
   <p:notesSz cx="6858000" cy="9144000"/>
@@ -3985,124 +3985,6 @@
           <p:cNvPr id="2" name="Title 1">
             <a:extLst>
               <a:ext uri="{FF2B5EF4-FFF2-40B4-BE49-F238E27FC236}">
-                <a16:creationId xmlns:a16="http://schemas.microsoft.com/office/drawing/2014/main" id="{0C054280-1438-474B-8A82-6EF01743406F}"/>
-              </a:ext>
-            </a:extLst>
-          </p:cNvPr>
-          <p:cNvSpPr>
-            <a:spLocks noGrp="1"/>
-          </p:cNvSpPr>
-          <p:nvPr>
-            <p:ph type="title"/>
-          </p:nvPr>
-        </p:nvSpPr>
-        <p:spPr/>
-        <p:txBody>
-          <a:bodyPr/>
-          <a:lstStyle/>
-          <a:p>
-            <a:r>
-              <a:rPr lang="en-US" dirty="0"/>
-              <a:t>Model Summary</a:t>
-            </a:r>
-          </a:p>
-        </p:txBody>
-      </p:sp>
-      <p:sp>
-        <p:nvSpPr>
-          <p:cNvPr id="3" name="Content Placeholder 2">
-            <a:extLst>
-              <a:ext uri="{FF2B5EF4-FFF2-40B4-BE49-F238E27FC236}">
-                <a16:creationId xmlns:a16="http://schemas.microsoft.com/office/drawing/2014/main" id="{E66BC518-9B4D-1D42-A621-607C2B5E7FE2}"/>
-              </a:ext>
-            </a:extLst>
-          </p:cNvPr>
-          <p:cNvSpPr>
-            <a:spLocks noGrp="1"/>
-          </p:cNvSpPr>
-          <p:nvPr>
-            <p:ph idx="1"/>
-          </p:nvPr>
-        </p:nvSpPr>
-        <p:spPr/>
-        <p:txBody>
-          <a:bodyPr>
-            <a:normAutofit/>
-          </a:bodyPr>
-          <a:lstStyle/>
-          <a:p>
-            <a:r>
-              <a:rPr lang="en-US" dirty="0"/>
-              <a:t>Square Foot:  Sale Price increases $108 for each square foot</a:t>
-            </a:r>
-          </a:p>
-          <a:p>
-            <a:pPr marL="0" indent="0">
-              <a:buNone/>
-            </a:pPr>
-            <a:endParaRPr lang="en-US" dirty="0"/>
-          </a:p>
-          <a:p>
-            <a:r>
-              <a:rPr lang="en-US" dirty="0"/>
-              <a:t>Grade (based King County grading system):  Price increase $124,400 with each increase in Grade number up to 11</a:t>
-            </a:r>
-          </a:p>
-          <a:p>
-            <a:endParaRPr lang="en-US" dirty="0"/>
-          </a:p>
-          <a:p>
-            <a:r>
-              <a:rPr lang="en-US" dirty="0"/>
-              <a:t>Viewed by Prospect Buyers:   adds ~$44,200 up to 4 viewings. </a:t>
-            </a:r>
-          </a:p>
-          <a:p>
-            <a:endParaRPr lang="en-US" dirty="0"/>
-          </a:p>
-          <a:p>
-            <a:r>
-              <a:rPr lang="en-US" dirty="0"/>
-              <a:t>The age of the home increases the Sale Price by  ~  $2,671 per year.</a:t>
-            </a:r>
-          </a:p>
-        </p:txBody>
-      </p:sp>
-    </p:spTree>
-    <p:extLst>
-      <p:ext uri="{BB962C8B-B14F-4D97-AF65-F5344CB8AC3E}">
-        <p14:creationId xmlns:p14="http://schemas.microsoft.com/office/powerpoint/2010/main" val="1555547234"/>
-      </p:ext>
-    </p:extLst>
-  </p:cSld>
-  <p:clrMapOvr>
-    <a:masterClrMapping/>
-  </p:clrMapOvr>
-</p:sld>
-</file>
-
-<file path=ppt/slides/slide7.xml><?xml version="1.0" encoding="utf-8"?>
-<p:sld xmlns:a="http://schemas.openxmlformats.org/drawingml/2006/main" xmlns:r="http://schemas.openxmlformats.org/officeDocument/2006/relationships" xmlns:p="http://schemas.openxmlformats.org/presentationml/2006/main">
-  <p:cSld>
-    <p:spTree>
-      <p:nvGrpSpPr>
-        <p:cNvPr id="1" name=""/>
-        <p:cNvGrpSpPr/>
-        <p:nvPr/>
-      </p:nvGrpSpPr>
-      <p:grpSpPr>
-        <a:xfrm>
-          <a:off x="0" y="0"/>
-          <a:ext cx="0" cy="0"/>
-          <a:chOff x="0" y="0"/>
-          <a:chExt cx="0" cy="0"/>
-        </a:xfrm>
-      </p:grpSpPr>
-      <p:sp>
-        <p:nvSpPr>
-          <p:cNvPr id="2" name="Title 1">
-            <a:extLst>
-              <a:ext uri="{FF2B5EF4-FFF2-40B4-BE49-F238E27FC236}">
                 <a16:creationId xmlns:a16="http://schemas.microsoft.com/office/drawing/2014/main" id="{63A17688-7437-AC42-92B5-BFF64BE22CF6}"/>
               </a:ext>
             </a:extLst>
@@ -4170,6 +4052,144 @@
 </p:sld>
 </file>
 
+<file path=ppt/slides/slide7.xml><?xml version="1.0" encoding="utf-8"?>
+<p:sld xmlns:a="http://schemas.openxmlformats.org/drawingml/2006/main" xmlns:r="http://schemas.openxmlformats.org/officeDocument/2006/relationships" xmlns:p="http://schemas.openxmlformats.org/presentationml/2006/main">
+  <p:cSld>
+    <p:spTree>
+      <p:nvGrpSpPr>
+        <p:cNvPr id="1" name=""/>
+        <p:cNvGrpSpPr/>
+        <p:nvPr/>
+      </p:nvGrpSpPr>
+      <p:grpSpPr>
+        <a:xfrm>
+          <a:off x="0" y="0"/>
+          <a:ext cx="0" cy="0"/>
+          <a:chOff x="0" y="0"/>
+          <a:chExt cx="0" cy="0"/>
+        </a:xfrm>
+      </p:grpSpPr>
+      <p:sp>
+        <p:nvSpPr>
+          <p:cNvPr id="2" name="Title 1">
+            <a:extLst>
+              <a:ext uri="{FF2B5EF4-FFF2-40B4-BE49-F238E27FC236}">
+                <a16:creationId xmlns:a16="http://schemas.microsoft.com/office/drawing/2014/main" id="{8E6075B2-A1E0-DC41-9A5F-9011DD93E0E5}"/>
+              </a:ext>
+            </a:extLst>
+          </p:cNvPr>
+          <p:cNvSpPr>
+            <a:spLocks noGrp="1"/>
+          </p:cNvSpPr>
+          <p:nvPr>
+            <p:ph type="title"/>
+          </p:nvPr>
+        </p:nvSpPr>
+        <p:spPr/>
+        <p:txBody>
+          <a:bodyPr/>
+          <a:lstStyle/>
+          <a:p>
+            <a:r>
+              <a:rPr lang="en-US" dirty="0"/>
+              <a:t>m</a:t>
+            </a:r>
+            <a:r>
+              <a:rPr lang="en-US"/>
+              <a:t>odel </a:t>
+            </a:r>
+            <a:r>
+              <a:rPr lang="en-US" dirty="0"/>
+              <a:t>WATERFRONT homes separately</a:t>
+            </a:r>
+          </a:p>
+        </p:txBody>
+      </p:sp>
+      <p:sp>
+        <p:nvSpPr>
+          <p:cNvPr id="3" name="Content Placeholder 2">
+            <a:extLst>
+              <a:ext uri="{FF2B5EF4-FFF2-40B4-BE49-F238E27FC236}">
+                <a16:creationId xmlns:a16="http://schemas.microsoft.com/office/drawing/2014/main" id="{77A812AD-F0AD-CC49-9B3F-BCD381B86B8D}"/>
+              </a:ext>
+            </a:extLst>
+          </p:cNvPr>
+          <p:cNvSpPr>
+            <a:spLocks noGrp="1"/>
+          </p:cNvSpPr>
+          <p:nvPr>
+            <p:ph idx="1"/>
+          </p:nvPr>
+        </p:nvSpPr>
+        <p:spPr/>
+        <p:txBody>
+          <a:bodyPr>
+            <a:normAutofit fontScale="92500" lnSpcReduction="10000"/>
+          </a:bodyPr>
+          <a:lstStyle/>
+          <a:p>
+            <a:r>
+              <a:rPr lang="en-US" dirty="0"/>
+              <a:t>Waterfront:  Having a Waterfront View adds $370,000 to the Price</a:t>
+            </a:r>
+          </a:p>
+          <a:p>
+            <a:endParaRPr lang="en-US" dirty="0"/>
+          </a:p>
+          <a:p>
+            <a:r>
+              <a:rPr lang="en-US" dirty="0"/>
+              <a:t>Assumed other predictors are kept constant (relatively)</a:t>
+            </a:r>
+          </a:p>
+          <a:p>
+            <a:pPr marL="0" indent="0">
+              <a:buNone/>
+            </a:pPr>
+            <a:endParaRPr lang="en-US" dirty="0"/>
+          </a:p>
+          <a:p>
+            <a:r>
+              <a:rPr lang="en-US" dirty="0"/>
+              <a:t>Sale Price predicted by Square Foot Living Space only</a:t>
+            </a:r>
+          </a:p>
+          <a:p>
+            <a:pPr marL="0" indent="0">
+              <a:buNone/>
+            </a:pPr>
+            <a:endParaRPr lang="en-US" dirty="0"/>
+          </a:p>
+          <a:p>
+            <a:r>
+              <a:rPr lang="en-US" dirty="0"/>
+              <a:t>Assumptions to Invest?  We will invest at a level of 80% of the Predicted Sale Price</a:t>
+            </a:r>
+          </a:p>
+          <a:p>
+            <a:endParaRPr lang="en-US" dirty="0"/>
+          </a:p>
+          <a:p>
+            <a:r>
+              <a:rPr lang="en-US" dirty="0"/>
+              <a:t>76% of Home Sales will be “GOOD” Investments </a:t>
+            </a:r>
+          </a:p>
+        </p:txBody>
+      </p:sp>
+    </p:spTree>
+    <p:extLst>
+      <p:ext uri="{BB962C8B-B14F-4D97-AF65-F5344CB8AC3E}">
+        <p14:creationId xmlns:p14="http://schemas.microsoft.com/office/powerpoint/2010/main" val="2667446363"/>
+      </p:ext>
+    </p:extLst>
+  </p:cSld>
+  <p:clrMapOvr>
+    <a:masterClrMapping/>
+  </p:clrMapOvr>
+</p:sld>
+</file>
+
 <file path=ppt/slides/slide8.xml><?xml version="1.0" encoding="utf-8"?>
 <p:sld xmlns:a="http://schemas.openxmlformats.org/drawingml/2006/main" xmlns:r="http://schemas.openxmlformats.org/officeDocument/2006/relationships" xmlns:p="http://schemas.openxmlformats.org/presentationml/2006/main">
   <p:cSld>
@@ -4192,7 +4212,7 @@
           <p:cNvPr id="2" name="Title 1">
             <a:extLst>
               <a:ext uri="{FF2B5EF4-FFF2-40B4-BE49-F238E27FC236}">
-                <a16:creationId xmlns:a16="http://schemas.microsoft.com/office/drawing/2014/main" id="{8E6075B2-A1E0-DC41-9A5F-9011DD93E0E5}"/>
+                <a16:creationId xmlns:a16="http://schemas.microsoft.com/office/drawing/2014/main" id="{DE7A6E5F-9600-5A40-B1C3-5CA8A515333D}"/>
               </a:ext>
             </a:extLst>
           </p:cNvPr>
@@ -4205,100 +4225,89 @@
         </p:nvSpPr>
         <p:spPr/>
         <p:txBody>
-          <a:bodyPr/>
+          <a:bodyPr>
+            <a:normAutofit/>
+          </a:bodyPr>
           <a:lstStyle/>
           <a:p>
             <a:r>
               <a:rPr lang="en-US" dirty="0"/>
-              <a:t>m</a:t>
-            </a:r>
-            <a:r>
-              <a:rPr lang="en-US"/>
-              <a:t>odel </a:t>
+              <a:t>Question:  Year Built has a negative </a:t>
+            </a:r>
+            <a:r>
+              <a:rPr lang="en-US" dirty="0" err="1"/>
+              <a:t>coef</a:t>
             </a:r>
             <a:r>
               <a:rPr lang="en-US" dirty="0"/>
-              <a:t>WATERFRONT homes separately</a:t>
-            </a:r>
-          </a:p>
-        </p:txBody>
-      </p:sp>
-      <p:sp>
-        <p:nvSpPr>
-          <p:cNvPr id="3" name="Content Placeholder 2">
-            <a:extLst>
-              <a:ext uri="{FF2B5EF4-FFF2-40B4-BE49-F238E27FC236}">
-                <a16:creationId xmlns:a16="http://schemas.microsoft.com/office/drawing/2014/main" id="{77A812AD-F0AD-CC49-9B3F-BCD381B86B8D}"/>
-              </a:ext>
-            </a:extLst>
-          </p:cNvPr>
-          <p:cNvSpPr>
-            <a:spLocks noGrp="1"/>
-          </p:cNvSpPr>
+              <a:t> in the model………..Here’s why? </a:t>
+            </a:r>
+          </a:p>
+        </p:txBody>
+      </p:sp>
+      <p:pic>
+        <p:nvPicPr>
+          <p:cNvPr id="9" name="Content Placeholder 8">
+            <a:extLst>
+              <a:ext uri="{FF2B5EF4-FFF2-40B4-BE49-F238E27FC236}">
+                <a16:creationId xmlns:a16="http://schemas.microsoft.com/office/drawing/2014/main" id="{C23408A0-7B84-BF4A-AA83-94427560DA52}"/>
+              </a:ext>
+            </a:extLst>
+          </p:cNvPr>
+          <p:cNvPicPr>
+            <a:picLocks noGrp="1" noChangeAspect="1"/>
+          </p:cNvPicPr>
           <p:nvPr>
             <p:ph idx="1"/>
           </p:nvPr>
-        </p:nvSpPr>
-        <p:spPr/>
-        <p:txBody>
-          <a:bodyPr>
-            <a:normAutofit fontScale="92500" lnSpcReduction="10000"/>
-          </a:bodyPr>
-          <a:lstStyle/>
-          <a:p>
-            <a:r>
-              <a:rPr lang="en-US" dirty="0"/>
-              <a:t>Waterfront:  Having a Waterfront View adds $370,000 to the Price</a:t>
-            </a:r>
-          </a:p>
-          <a:p>
-            <a:endParaRPr lang="en-US" dirty="0"/>
-          </a:p>
-          <a:p>
-            <a:r>
-              <a:rPr lang="en-US" dirty="0"/>
-              <a:t>Assumed other predictors are kept constant (relatively)</a:t>
-            </a:r>
-          </a:p>
-          <a:p>
-            <a:pPr marL="0" indent="0">
-              <a:buNone/>
-            </a:pPr>
-            <a:endParaRPr lang="en-US" dirty="0"/>
-          </a:p>
-          <a:p>
-            <a:r>
-              <a:rPr lang="en-US" dirty="0"/>
-              <a:t>Sale Price predicted by Square Foot Living Space only</a:t>
-            </a:r>
-          </a:p>
-          <a:p>
-            <a:pPr marL="0" indent="0">
-              <a:buNone/>
-            </a:pPr>
-            <a:endParaRPr lang="en-US" dirty="0"/>
-          </a:p>
-          <a:p>
-            <a:r>
-              <a:rPr lang="en-US" dirty="0"/>
-              <a:t>Assumptions to Invest?  We will invest at a level of 80% of the Predicted Sale Price</a:t>
-            </a:r>
-          </a:p>
-          <a:p>
-            <a:endParaRPr lang="en-US" dirty="0"/>
-          </a:p>
-          <a:p>
-            <a:r>
-              <a:rPr lang="en-US" dirty="0"/>
-              <a:t>76% of Home Sales will be “GOOD” Investments </a:t>
-            </a:r>
-          </a:p>
-        </p:txBody>
-      </p:sp>
+        </p:nvPicPr>
+        <p:blipFill>
+          <a:blip r:embed="rId2"/>
+          <a:stretch>
+            <a:fillRect/>
+          </a:stretch>
+        </p:blipFill>
+        <p:spPr>
+          <a:xfrm>
+            <a:off x="706747" y="2350294"/>
+            <a:ext cx="5054600" cy="3302000"/>
+          </a:xfrm>
+        </p:spPr>
+      </p:pic>
+      <p:pic>
+        <p:nvPicPr>
+          <p:cNvPr id="11" name="Picture 10">
+            <a:extLst>
+              <a:ext uri="{FF2B5EF4-FFF2-40B4-BE49-F238E27FC236}">
+                <a16:creationId xmlns:a16="http://schemas.microsoft.com/office/drawing/2014/main" id="{3EDC9AAD-5187-914A-83F1-C1E0D4B4F78C}"/>
+              </a:ext>
+            </a:extLst>
+          </p:cNvPr>
+          <p:cNvPicPr>
+            <a:picLocks noChangeAspect="1"/>
+          </p:cNvPicPr>
+          <p:nvPr/>
+        </p:nvPicPr>
+        <p:blipFill>
+          <a:blip r:embed="rId3"/>
+          <a:stretch>
+            <a:fillRect/>
+          </a:stretch>
+        </p:blipFill>
+        <p:spPr>
+          <a:xfrm>
+            <a:off x="6740236" y="2350294"/>
+            <a:ext cx="5029200" cy="3314700"/>
+          </a:xfrm>
+          <a:prstGeom prst="rect">
+            <a:avLst/>
+          </a:prstGeom>
+        </p:spPr>
+      </p:pic>
     </p:spTree>
     <p:extLst>
       <p:ext uri="{BB962C8B-B14F-4D97-AF65-F5344CB8AC3E}">
-        <p14:creationId xmlns:p14="http://schemas.microsoft.com/office/powerpoint/2010/main" val="2667446363"/>
+        <p14:creationId xmlns:p14="http://schemas.microsoft.com/office/powerpoint/2010/main" val="836179392"/>
       </p:ext>
     </p:extLst>
   </p:cSld>
@@ -4330,7 +4339,7 @@
           <p:cNvPr id="2" name="Title 1">
             <a:extLst>
               <a:ext uri="{FF2B5EF4-FFF2-40B4-BE49-F238E27FC236}">
-                <a16:creationId xmlns:a16="http://schemas.microsoft.com/office/drawing/2014/main" id="{DE7A6E5F-9600-5A40-B1C3-5CA8A515333D}"/>
+                <a16:creationId xmlns:a16="http://schemas.microsoft.com/office/drawing/2014/main" id="{0C054280-1438-474B-8A82-6EF01743406F}"/>
               </a:ext>
             </a:extLst>
           </p:cNvPr>
@@ -4339,6 +4348,34 @@
           </p:cNvSpPr>
           <p:nvPr>
             <p:ph type="title"/>
+          </p:nvPr>
+        </p:nvSpPr>
+        <p:spPr/>
+        <p:txBody>
+          <a:bodyPr/>
+          <a:lstStyle/>
+          <a:p>
+            <a:r>
+              <a:rPr lang="en-US" dirty="0"/>
+              <a:t>Model Summary</a:t>
+            </a:r>
+          </a:p>
+        </p:txBody>
+      </p:sp>
+      <p:sp>
+        <p:nvSpPr>
+          <p:cNvPr id="3" name="Content Placeholder 2">
+            <a:extLst>
+              <a:ext uri="{FF2B5EF4-FFF2-40B4-BE49-F238E27FC236}">
+                <a16:creationId xmlns:a16="http://schemas.microsoft.com/office/drawing/2014/main" id="{E66BC518-9B4D-1D42-A621-607C2B5E7FE2}"/>
+              </a:ext>
+            </a:extLst>
+          </p:cNvPr>
+          <p:cNvSpPr>
+            <a:spLocks noGrp="1"/>
+          </p:cNvSpPr>
+          <p:nvPr>
+            <p:ph idx="1"/>
           </p:nvPr>
         </p:nvSpPr>
         <p:spPr/>
@@ -4350,82 +4387,45 @@
           <a:p>
             <a:r>
               <a:rPr lang="en-US" dirty="0"/>
-              <a:t>Question:  Year Built has a negative </a:t>
-            </a:r>
-            <a:r>
-              <a:rPr lang="en-US" dirty="0" err="1"/>
-              <a:t>coef</a:t>
-            </a:r>
+              <a:t>Square Foot:  Sale Price increases $108 for each square foot</a:t>
+            </a:r>
+          </a:p>
+          <a:p>
+            <a:pPr marL="0" indent="0">
+              <a:buNone/>
+            </a:pPr>
+            <a:endParaRPr lang="en-US" dirty="0"/>
+          </a:p>
+          <a:p>
             <a:r>
               <a:rPr lang="en-US" dirty="0"/>
-              <a:t> in the model………..Here’s why? </a:t>
-            </a:r>
-          </a:p>
-        </p:txBody>
-      </p:sp>
-      <p:pic>
-        <p:nvPicPr>
-          <p:cNvPr id="9" name="Content Placeholder 8">
-            <a:extLst>
-              <a:ext uri="{FF2B5EF4-FFF2-40B4-BE49-F238E27FC236}">
-                <a16:creationId xmlns:a16="http://schemas.microsoft.com/office/drawing/2014/main" id="{C23408A0-7B84-BF4A-AA83-94427560DA52}"/>
-              </a:ext>
-            </a:extLst>
-          </p:cNvPr>
-          <p:cNvPicPr>
-            <a:picLocks noGrp="1" noChangeAspect="1"/>
-          </p:cNvPicPr>
-          <p:nvPr>
-            <p:ph idx="1"/>
-          </p:nvPr>
-        </p:nvPicPr>
-        <p:blipFill>
-          <a:blip r:embed="rId2"/>
-          <a:stretch>
-            <a:fillRect/>
-          </a:stretch>
-        </p:blipFill>
-        <p:spPr>
-          <a:xfrm>
-            <a:off x="706747" y="2350294"/>
-            <a:ext cx="5054600" cy="3302000"/>
-          </a:xfrm>
-        </p:spPr>
-      </p:pic>
-      <p:pic>
-        <p:nvPicPr>
-          <p:cNvPr id="11" name="Picture 10">
-            <a:extLst>
-              <a:ext uri="{FF2B5EF4-FFF2-40B4-BE49-F238E27FC236}">
-                <a16:creationId xmlns:a16="http://schemas.microsoft.com/office/drawing/2014/main" id="{3EDC9AAD-5187-914A-83F1-C1E0D4B4F78C}"/>
-              </a:ext>
-            </a:extLst>
-          </p:cNvPr>
-          <p:cNvPicPr>
-            <a:picLocks noChangeAspect="1"/>
-          </p:cNvPicPr>
-          <p:nvPr/>
-        </p:nvPicPr>
-        <p:blipFill>
-          <a:blip r:embed="rId3"/>
-          <a:stretch>
-            <a:fillRect/>
-          </a:stretch>
-        </p:blipFill>
-        <p:spPr>
-          <a:xfrm>
-            <a:off x="6740236" y="2350294"/>
-            <a:ext cx="5029200" cy="3314700"/>
-          </a:xfrm>
-          <a:prstGeom prst="rect">
-            <a:avLst/>
-          </a:prstGeom>
-        </p:spPr>
-      </p:pic>
+              <a:t>Grade (based King County grading system):  Price increase $124,400 with each increase in Grade number up to 11</a:t>
+            </a:r>
+          </a:p>
+          <a:p>
+            <a:endParaRPr lang="en-US" dirty="0"/>
+          </a:p>
+          <a:p>
+            <a:r>
+              <a:rPr lang="en-US" dirty="0"/>
+              <a:t>Viewed by Prospect Buyers:   adds ~$44,200 up to 4 viewings. </a:t>
+            </a:r>
+          </a:p>
+          <a:p>
+            <a:endParaRPr lang="en-US" dirty="0"/>
+          </a:p>
+          <a:p>
+            <a:r>
+              <a:rPr lang="en-US" dirty="0"/>
+              <a:t>The age of the home increases the Sale Price by  ~  $2,671 per year.</a:t>
+            </a:r>
+          </a:p>
+        </p:txBody>
+      </p:sp>
     </p:spTree>
     <p:extLst>
       <p:ext uri="{BB962C8B-B14F-4D97-AF65-F5344CB8AC3E}">
-        <p14:creationId xmlns:p14="http://schemas.microsoft.com/office/powerpoint/2010/main" val="836179392"/>
+        <p14:creationId xmlns:p14="http://schemas.microsoft.com/office/powerpoint/2010/main" val="1555547234"/>
       </p:ext>
     </p:extLst>
   </p:cSld>
